--- a/Machine_Learning_Deep_Learning/props/Deep_Learning_Hierarchy.pptx
+++ b/Machine_Learning_Deep_Learning/props/Deep_Learning_Hierarchy.pptx
@@ -104,6 +104,11 @@
       </a:defRPr>
     </a:lvl9pPr>
   </p:defaultTextStyle>
+  <p:extLst>
+    <p:ext uri="{EFAFB233-063F-42B5-8137-9DF3F51BA10A}">
+      <p15:sldGuideLst xmlns:p15="http://schemas.microsoft.com/office/powerpoint/2012/main"/>
+    </p:ext>
+  </p:extLst>
 </p:presentation>
 </file>
 
@@ -964,7 +969,7 @@
         <a:p>
           <a:r>
             <a:rPr lang="en-US" dirty="0"/>
-            <a:t>Artificial Neural Networks</a:t>
+            <a:t>Deep Learning</a:t>
           </a:r>
         </a:p>
       </dgm:t>
@@ -1007,8 +1012,13 @@
         <a:p>
           <a:r>
             <a:rPr lang="en-US" dirty="0"/>
-            <a:t>Deep Learning</a:t>
+            <a:t>Artificial </a:t>
           </a:r>
+          <a:r>
+            <a:rPr lang="en-US"/>
+            <a:t>Neural Networks</a:t>
+          </a:r>
+          <a:endParaRPr lang="en-US" dirty="0"/>
         </a:p>
       </dgm:t>
     </dgm:pt>
@@ -1201,12 +1211,12 @@
         </a:fontRef>
       </dsp:style>
       <dsp:txBody>
-        <a:bodyPr spcFirstLastPara="0" vert="horz" wrap="square" lIns="113792" tIns="113792" rIns="113792" bIns="113792" numCol="1" spcCol="1270" anchor="ctr" anchorCtr="0">
+        <a:bodyPr spcFirstLastPara="0" vert="horz" wrap="square" lIns="120904" tIns="120904" rIns="120904" bIns="120904" numCol="1" spcCol="1270" anchor="ctr" anchorCtr="0">
           <a:noAutofit/>
         </a:bodyPr>
         <a:lstStyle/>
         <a:p>
-          <a:pPr marL="0" lvl="0" indent="0" algn="ctr" defTabSz="711200">
+          <a:pPr marL="0" lvl="0" indent="0" algn="ctr" defTabSz="755650">
             <a:lnSpc>
               <a:spcPct val="90000"/>
             </a:lnSpc>
@@ -1219,7 +1229,7 @@
             <a:buNone/>
           </a:pPr>
           <a:r>
-            <a:rPr lang="en-US" sz="1600" kern="1200" dirty="0"/>
+            <a:rPr lang="en-US" sz="1700" kern="1200" dirty="0"/>
             <a:t>Artificial Intelligence</a:t>
           </a:r>
         </a:p>
@@ -1274,12 +1284,12 @@
         </a:fontRef>
       </dsp:style>
       <dsp:txBody>
-        <a:bodyPr spcFirstLastPara="0" vert="horz" wrap="square" lIns="113792" tIns="113792" rIns="113792" bIns="113792" numCol="1" spcCol="1270" anchor="ctr" anchorCtr="0">
+        <a:bodyPr spcFirstLastPara="0" vert="horz" wrap="square" lIns="120904" tIns="120904" rIns="120904" bIns="120904" numCol="1" spcCol="1270" anchor="ctr" anchorCtr="0">
           <a:noAutofit/>
         </a:bodyPr>
         <a:lstStyle/>
         <a:p>
-          <a:pPr marL="0" lvl="0" indent="0" algn="ctr" defTabSz="711200">
+          <a:pPr marL="0" lvl="0" indent="0" algn="ctr" defTabSz="755650">
             <a:lnSpc>
               <a:spcPct val="90000"/>
             </a:lnSpc>
@@ -1292,7 +1302,7 @@
             <a:buNone/>
           </a:pPr>
           <a:r>
-            <a:rPr lang="en-US" sz="1600" kern="1200" dirty="0"/>
+            <a:rPr lang="en-US" sz="1700" kern="1200" dirty="0"/>
             <a:t>Machine Learning</a:t>
           </a:r>
         </a:p>
@@ -1347,12 +1357,12 @@
         </a:fontRef>
       </dsp:style>
       <dsp:txBody>
-        <a:bodyPr spcFirstLastPara="0" vert="horz" wrap="square" lIns="113792" tIns="113792" rIns="113792" bIns="113792" numCol="1" spcCol="1270" anchor="ctr" anchorCtr="0">
+        <a:bodyPr spcFirstLastPara="0" vert="horz" wrap="square" lIns="120904" tIns="120904" rIns="120904" bIns="120904" numCol="1" spcCol="1270" anchor="ctr" anchorCtr="0">
           <a:noAutofit/>
         </a:bodyPr>
         <a:lstStyle/>
         <a:p>
-          <a:pPr marL="0" lvl="0" indent="0" algn="ctr" defTabSz="711200">
+          <a:pPr marL="0" lvl="0" indent="0" algn="ctr" defTabSz="755650">
             <a:lnSpc>
               <a:spcPct val="90000"/>
             </a:lnSpc>
@@ -1365,8 +1375,8 @@
             <a:buNone/>
           </a:pPr>
           <a:r>
-            <a:rPr lang="en-US" sz="1600" kern="1200" dirty="0"/>
-            <a:t>Artificial Neural Networks</a:t>
+            <a:rPr lang="en-US" sz="1700" kern="1200" dirty="0"/>
+            <a:t>Deep Learning</a:t>
           </a:r>
         </a:p>
       </dsp:txBody>
@@ -1423,12 +1433,12 @@
         </a:fontRef>
       </dsp:style>
       <dsp:txBody>
-        <a:bodyPr spcFirstLastPara="0" vert="horz" wrap="square" lIns="113792" tIns="113792" rIns="113792" bIns="113792" numCol="1" spcCol="1270" anchor="ctr" anchorCtr="0">
+        <a:bodyPr spcFirstLastPara="0" vert="horz" wrap="square" lIns="120904" tIns="120904" rIns="120904" bIns="120904" numCol="1" spcCol="1270" anchor="ctr" anchorCtr="0">
           <a:noAutofit/>
         </a:bodyPr>
         <a:lstStyle/>
         <a:p>
-          <a:pPr marL="0" lvl="0" indent="0" algn="ctr" defTabSz="711200">
+          <a:pPr marL="0" lvl="0" indent="0" algn="ctr" defTabSz="755650">
             <a:lnSpc>
               <a:spcPct val="90000"/>
             </a:lnSpc>
@@ -1441,9 +1451,14 @@
             <a:buNone/>
           </a:pPr>
           <a:r>
-            <a:rPr lang="en-US" sz="1600" kern="1200" dirty="0"/>
-            <a:t>Deep Learning</a:t>
+            <a:rPr lang="en-US" sz="1700" kern="1200" dirty="0"/>
+            <a:t>Artificial </a:t>
           </a:r>
+          <a:r>
+            <a:rPr lang="en-US" sz="1700" kern="1200"/>
+            <a:t>Neural Networks</a:t>
+          </a:r>
+          <a:endParaRPr lang="en-US" sz="1700" kern="1200" dirty="0"/>
         </a:p>
       </dsp:txBody>
       <dsp:txXfrm>
@@ -3298,7 +3313,7 @@
           <a:p>
             <a:fld id="{04E5AF39-EC75-DA40-B6D8-FD886EEE3F3B}" type="datetimeFigureOut">
               <a:rPr lang="en-US" smtClean="0"/>
-              <a:t>7/23/19</a:t>
+              <a:t>9/6/19</a:t>
             </a:fld>
             <a:endParaRPr lang="en-US"/>
           </a:p>
@@ -3496,7 +3511,7 @@
           <a:p>
             <a:fld id="{04E5AF39-EC75-DA40-B6D8-FD886EEE3F3B}" type="datetimeFigureOut">
               <a:rPr lang="en-US" smtClean="0"/>
-              <a:t>7/23/19</a:t>
+              <a:t>9/6/19</a:t>
             </a:fld>
             <a:endParaRPr lang="en-US"/>
           </a:p>
@@ -3704,7 +3719,7 @@
           <a:p>
             <a:fld id="{04E5AF39-EC75-DA40-B6D8-FD886EEE3F3B}" type="datetimeFigureOut">
               <a:rPr lang="en-US" smtClean="0"/>
-              <a:t>7/23/19</a:t>
+              <a:t>9/6/19</a:t>
             </a:fld>
             <a:endParaRPr lang="en-US"/>
           </a:p>
@@ -3902,7 +3917,7 @@
           <a:p>
             <a:fld id="{04E5AF39-EC75-DA40-B6D8-FD886EEE3F3B}" type="datetimeFigureOut">
               <a:rPr lang="en-US" smtClean="0"/>
-              <a:t>7/23/19</a:t>
+              <a:t>9/6/19</a:t>
             </a:fld>
             <a:endParaRPr lang="en-US"/>
           </a:p>
@@ -4177,7 +4192,7 @@
           <a:p>
             <a:fld id="{04E5AF39-EC75-DA40-B6D8-FD886EEE3F3B}" type="datetimeFigureOut">
               <a:rPr lang="en-US" smtClean="0"/>
-              <a:t>7/23/19</a:t>
+              <a:t>9/6/19</a:t>
             </a:fld>
             <a:endParaRPr lang="en-US"/>
           </a:p>
@@ -4442,7 +4457,7 @@
           <a:p>
             <a:fld id="{04E5AF39-EC75-DA40-B6D8-FD886EEE3F3B}" type="datetimeFigureOut">
               <a:rPr lang="en-US" smtClean="0"/>
-              <a:t>7/23/19</a:t>
+              <a:t>9/6/19</a:t>
             </a:fld>
             <a:endParaRPr lang="en-US"/>
           </a:p>
@@ -4854,7 +4869,7 @@
           <a:p>
             <a:fld id="{04E5AF39-EC75-DA40-B6D8-FD886EEE3F3B}" type="datetimeFigureOut">
               <a:rPr lang="en-US" smtClean="0"/>
-              <a:t>7/23/19</a:t>
+              <a:t>9/6/19</a:t>
             </a:fld>
             <a:endParaRPr lang="en-US"/>
           </a:p>
@@ -4995,7 +5010,7 @@
           <a:p>
             <a:fld id="{04E5AF39-EC75-DA40-B6D8-FD886EEE3F3B}" type="datetimeFigureOut">
               <a:rPr lang="en-US" smtClean="0"/>
-              <a:t>7/23/19</a:t>
+              <a:t>9/6/19</a:t>
             </a:fld>
             <a:endParaRPr lang="en-US"/>
           </a:p>
@@ -5108,7 +5123,7 @@
           <a:p>
             <a:fld id="{04E5AF39-EC75-DA40-B6D8-FD886EEE3F3B}" type="datetimeFigureOut">
               <a:rPr lang="en-US" smtClean="0"/>
-              <a:t>7/23/19</a:t>
+              <a:t>9/6/19</a:t>
             </a:fld>
             <a:endParaRPr lang="en-US"/>
           </a:p>
@@ -5419,7 +5434,7 @@
           <a:p>
             <a:fld id="{04E5AF39-EC75-DA40-B6D8-FD886EEE3F3B}" type="datetimeFigureOut">
               <a:rPr lang="en-US" smtClean="0"/>
-              <a:t>7/23/19</a:t>
+              <a:t>9/6/19</a:t>
             </a:fld>
             <a:endParaRPr lang="en-US"/>
           </a:p>
@@ -5707,7 +5722,7 @@
           <a:p>
             <a:fld id="{04E5AF39-EC75-DA40-B6D8-FD886EEE3F3B}" type="datetimeFigureOut">
               <a:rPr lang="en-US" smtClean="0"/>
-              <a:t>7/23/19</a:t>
+              <a:t>9/6/19</a:t>
             </a:fld>
             <a:endParaRPr lang="en-US"/>
           </a:p>
@@ -5948,7 +5963,7 @@
           <a:p>
             <a:fld id="{04E5AF39-EC75-DA40-B6D8-FD886EEE3F3B}" type="datetimeFigureOut">
               <a:rPr lang="en-US" smtClean="0"/>
-              <a:t>7/23/19</a:t>
+              <a:t>9/6/19</a:t>
             </a:fld>
             <a:endParaRPr lang="en-US"/>
           </a:p>
@@ -6378,7 +6393,7 @@
           <p:nvPr>
             <p:extLst>
               <p:ext uri="{D42A27DB-BD31-4B8C-83A1-F6EECF244321}">
-                <p14:modId xmlns:p14="http://schemas.microsoft.com/office/powerpoint/2010/main" val="1477953265"/>
+                <p14:modId xmlns:p14="http://schemas.microsoft.com/office/powerpoint/2010/main" val="3643487591"/>
               </p:ext>
             </p:extLst>
           </p:nvPr>
